--- a/flyers/ppr_20240501_serenabooth.pptx
+++ b/flyers/ppr_20240501_serenabooth.pptx
@@ -496,7 +496,7 @@
           <a:p>
             <a:fld id="{B7144548-CE31-441F-AEEE-1D451D9E0324}" type="datetimeFigureOut">
               <a:rPr lang="en-US" smtClean="0"/>
-              <a:t>4/26/2024</a:t>
+              <a:t>4/30/2024</a:t>
             </a:fld>
             <a:endParaRPr lang="en-US"/>
           </a:p>
@@ -666,7 +666,7 @@
           <a:p>
             <a:fld id="{B7144548-CE31-441F-AEEE-1D451D9E0324}" type="datetimeFigureOut">
               <a:rPr lang="en-US" smtClean="0"/>
-              <a:t>4/26/2024</a:t>
+              <a:t>4/30/2024</a:t>
             </a:fld>
             <a:endParaRPr lang="en-US"/>
           </a:p>
@@ -846,7 +846,7 @@
           <a:p>
             <a:fld id="{B7144548-CE31-441F-AEEE-1D451D9E0324}" type="datetimeFigureOut">
               <a:rPr lang="en-US" smtClean="0"/>
-              <a:t>4/26/2024</a:t>
+              <a:t>4/30/2024</a:t>
             </a:fld>
             <a:endParaRPr lang="en-US"/>
           </a:p>
@@ -1015,7 +1015,7 @@
           <a:p>
             <a:fld id="{B7144548-CE31-441F-AEEE-1D451D9E0324}" type="datetimeFigureOut">
               <a:rPr lang="en-US" smtClean="0"/>
-              <a:t>4/26/2024</a:t>
+              <a:t>4/30/2024</a:t>
             </a:fld>
             <a:endParaRPr lang="en-US"/>
           </a:p>
@@ -1259,7 +1259,7 @@
           <a:p>
             <a:fld id="{B7144548-CE31-441F-AEEE-1D451D9E0324}" type="datetimeFigureOut">
               <a:rPr lang="en-US" smtClean="0"/>
-              <a:t>4/26/2024</a:t>
+              <a:t>4/30/2024</a:t>
             </a:fld>
             <a:endParaRPr lang="en-US"/>
           </a:p>
@@ -1491,7 +1491,7 @@
           <a:p>
             <a:fld id="{B7144548-CE31-441F-AEEE-1D451D9E0324}" type="datetimeFigureOut">
               <a:rPr lang="en-US" smtClean="0"/>
-              <a:t>4/26/2024</a:t>
+              <a:t>4/30/2024</a:t>
             </a:fld>
             <a:endParaRPr lang="en-US"/>
           </a:p>
@@ -1858,7 +1858,7 @@
           <a:p>
             <a:fld id="{B7144548-CE31-441F-AEEE-1D451D9E0324}" type="datetimeFigureOut">
               <a:rPr lang="en-US" smtClean="0"/>
-              <a:t>4/26/2024</a:t>
+              <a:t>4/30/2024</a:t>
             </a:fld>
             <a:endParaRPr lang="en-US"/>
           </a:p>
@@ -1976,7 +1976,7 @@
           <a:p>
             <a:fld id="{B7144548-CE31-441F-AEEE-1D451D9E0324}" type="datetimeFigureOut">
               <a:rPr lang="en-US" smtClean="0"/>
-              <a:t>4/26/2024</a:t>
+              <a:t>4/30/2024</a:t>
             </a:fld>
             <a:endParaRPr lang="en-US"/>
           </a:p>
@@ -2071,7 +2071,7 @@
           <a:p>
             <a:fld id="{B7144548-CE31-441F-AEEE-1D451D9E0324}" type="datetimeFigureOut">
               <a:rPr lang="en-US" smtClean="0"/>
-              <a:t>4/26/2024</a:t>
+              <a:t>4/30/2024</a:t>
             </a:fld>
             <a:endParaRPr lang="en-US"/>
           </a:p>
@@ -2348,7 +2348,7 @@
           <a:p>
             <a:fld id="{B7144548-CE31-441F-AEEE-1D451D9E0324}" type="datetimeFigureOut">
               <a:rPr lang="en-US" smtClean="0"/>
-              <a:t>4/26/2024</a:t>
+              <a:t>4/30/2024</a:t>
             </a:fld>
             <a:endParaRPr lang="en-US"/>
           </a:p>
@@ -2605,7 +2605,7 @@
           <a:p>
             <a:fld id="{B7144548-CE31-441F-AEEE-1D451D9E0324}" type="datetimeFigureOut">
               <a:rPr lang="en-US" smtClean="0"/>
-              <a:t>4/26/2024</a:t>
+              <a:t>4/30/2024</a:t>
             </a:fld>
             <a:endParaRPr lang="en-US"/>
           </a:p>
@@ -2818,7 +2818,7 @@
           <a:p>
             <a:fld id="{B7144548-CE31-441F-AEEE-1D451D9E0324}" type="datetimeFigureOut">
               <a:rPr lang="en-US" smtClean="0"/>
-              <a:t>4/26/2024</a:t>
+              <a:t>4/30/2024</a:t>
             </a:fld>
             <a:endParaRPr lang="en-US"/>
           </a:p>
@@ -3238,9 +3238,9 @@
         <p:grpSpPr>
           <a:xfrm>
             <a:off x="0" y="1365608"/>
-            <a:ext cx="7772400" cy="1957577"/>
+            <a:ext cx="7772400" cy="1764957"/>
             <a:chOff x="0" y="1764678"/>
-            <a:chExt cx="7772400" cy="1957577"/>
+            <a:chExt cx="7772400" cy="1859411"/>
           </a:xfrm>
         </p:grpSpPr>
         <p:sp>
@@ -3258,7 +3258,7 @@
           <p:spPr>
             <a:xfrm>
               <a:off x="0" y="1764678"/>
-              <a:ext cx="7772400" cy="1957577"/>
+              <a:ext cx="7772400" cy="1859411"/>
             </a:xfrm>
             <a:prstGeom prst="rect">
               <a:avLst/>
@@ -3317,8 +3317,8 @@
           </p:nvSpPr>
           <p:spPr>
             <a:xfrm>
-              <a:off x="2403565" y="1873084"/>
-              <a:ext cx="5055321" cy="1738947"/>
+              <a:off x="2099495" y="1822326"/>
+              <a:ext cx="5199012" cy="1738947"/>
             </a:xfrm>
             <a:prstGeom prst="rect">
               <a:avLst/>
@@ -3523,6 +3523,18 @@
                   <a:cs typeface="Segoe UI" panose="020B0502040204020203" pitchFamily="34" charset="0"/>
                 </a:rPr>
               </a:br>
+              <a:r>
+                <a:rPr lang="en-US" sz="1400" dirty="0">
+                  <a:solidFill>
+                    <a:schemeClr val="bg1">
+                      <a:lumMod val="95000"/>
+                    </a:schemeClr>
+                  </a:solidFill>
+                  <a:latin typeface="Segoe UI Variable Display" pitchFamily="2" charset="0"/>
+                  <a:cs typeface="Segoe UI" panose="020B0502040204020203" pitchFamily="34" charset="0"/>
+                </a:rPr>
+                <a:t> </a:t>
+              </a:r>
               <a:br>
                 <a:rPr lang="en-US" sz="2000" dirty="0">
                   <a:solidFill>
@@ -3606,8 +3618,8 @@
         </p:nvSpPr>
         <p:spPr>
           <a:xfrm>
-            <a:off x="0" y="5080147"/>
-            <a:ext cx="7772400" cy="4247224"/>
+            <a:off x="0" y="4363557"/>
+            <a:ext cx="7772400" cy="4973007"/>
           </a:xfrm>
           <a:prstGeom prst="rect">
             <a:avLst/>
@@ -3834,8 +3846,8 @@
         </p:nvSpPr>
         <p:spPr>
           <a:xfrm>
-            <a:off x="371854" y="5080147"/>
-            <a:ext cx="7249521" cy="2882475"/>
+            <a:off x="167134" y="4430939"/>
+            <a:ext cx="7454240" cy="2986225"/>
           </a:xfrm>
         </p:spPr>
         <p:txBody>
@@ -3854,20 +3866,20 @@
               <a:buNone/>
             </a:pPr>
             <a:r>
-              <a:rPr lang="en-US" sz="1400" b="1" spc="-50" dirty="0">
+              <a:rPr lang="en-US" sz="1300" b="1" spc="-50" dirty="0">
                 <a:latin typeface="CMU Bright" panose="02000603000000000000" pitchFamily="2" charset="0"/>
                 <a:ea typeface="CMU Bright" panose="02000603000000000000" pitchFamily="2" charset="0"/>
                 <a:cs typeface="CMU Bright" panose="02000603000000000000" pitchFamily="2" charset="0"/>
               </a:rPr>
-              <a:t>Abstract:  </a:t>
-            </a:r>
-            <a:r>
-              <a:rPr lang="en-US" sz="1400" spc="-50" dirty="0">
+              <a:t>Abstract:   </a:t>
+            </a:r>
+            <a:r>
+              <a:rPr lang="en-US" sz="1300" spc="-50" dirty="0">
                 <a:latin typeface="CMU Bright" panose="02000603000000000000" pitchFamily="2" charset="0"/>
                 <a:ea typeface="CMU Bright" panose="02000603000000000000" pitchFamily="2" charset="0"/>
                 <a:cs typeface="CMU Bright" panose="02000603000000000000" pitchFamily="2" charset="0"/>
               </a:rPr>
-              <a:t> As large pretrained models underlying generative AI systems have grown larger, inscrutable, and widely-deployed, interest in understanding their nature as emergent rather than engineered systems has grown. I believe to move this "ersatz natural science" of AI forward, we need to focus on building rigorous observational tools for these systems, which can characterize capabilities unambiguously. At their best, benchmarks and metrics could meet this need, but at present they are often treated as mere leaderboards to chase and only very indirectly measure capabilities of interest. This talk covers three works on this topic: first, a work laying out the high-level case for building a subfield of "model metrology" which focuses on building better benchmarks and metrics. Then, it covers two works on metrology in the generative image domain: first, a work which assesses multilingual conceptual knowledge in text-to-image (T2I) systems, and second, a meta-benchmark that demonstrates how many T2I prompt faithfulness benchmarks actually fail to capture the compositionality characteristics of T2I systems which they purport to measure. This line of inquiry is intended to help move benchmarking toward the ideal of rigorous tools of scientific observation.</a:t>
+              <a:t>The learned behaviors of AI and robot agents should align with the intentions of their human designers. Toward this goal, people must be able to easily specify, inspect, and model agent behaviors. For specifications, we will consider expert-written reward functions for reinforcement learning (RL) and non-expert preferences for reinforcement learning from human feedback (RLHF). I will show evidence that experts are bad at writing reward functions: even in a trivial setting, experts write specifications that are overfit to a particular RL algorithm, and they often write erroneous specifications for agents that fail to encode their true intent. Next, I will show that the common approach to learning a reward function from non-experts in RLHF uses an inductive bias that fails to encode how humans express preferences, and that our proposed bias better encodes human preferences both theoretically and empirically. For inspection, humans must be able to assess the behaviors an agent learns from a given specification. I will discuss a method to find settings that exhibit particular behaviors, like out-of-distribution failures. Lastly, cognitive science theories attempt to show how people build conceptual models that explain agent behaviors. I will show evidence that some of these theories are used in research to support humans, but that we can still build better curricula for modeling. Collectively, my research provides evidence that—even with the best of intentions— current human-AI systems often fail to induce alignment; my research proposes promising directions for how to build better aligned human-AI systems.</a:t>
             </a:r>
           </a:p>
         </p:txBody>
@@ -3888,8 +3900,8 @@
         </p:nvSpPr>
         <p:spPr>
           <a:xfrm>
-            <a:off x="387963" y="7955116"/>
-            <a:ext cx="7217302" cy="1534395"/>
+            <a:off x="183244" y="7446982"/>
+            <a:ext cx="7438130" cy="1534395"/>
           </a:xfrm>
           <a:prstGeom prst="rect">
             <a:avLst/>
@@ -4075,7 +4087,7 @@
               <a:buNone/>
             </a:pPr>
             <a:r>
-              <a:rPr lang="en-US" sz="1400" b="1" spc="-50" dirty="0">
+              <a:rPr lang="en-US" sz="1300" b="1" spc="-50" dirty="0">
                 <a:latin typeface="CMU Bright" panose="02000603000000000000" pitchFamily="2" charset="0"/>
                 <a:ea typeface="CMU Bright" panose="02000603000000000000" pitchFamily="2" charset="0"/>
                 <a:cs typeface="CMU Bright" panose="02000603000000000000" pitchFamily="2" charset="0"/>
@@ -4083,44 +4095,44 @@
               <a:t>About the Speaker:</a:t>
             </a:r>
             <a:r>
-              <a:rPr lang="en-US" sz="1400" spc="-50" dirty="0">
+              <a:rPr lang="en-US" sz="1300" spc="-50" dirty="0">
                 <a:latin typeface="CMU Bright" panose="02000603000000000000" pitchFamily="2" charset="0"/>
                 <a:ea typeface="CMU Bright" panose="02000603000000000000" pitchFamily="2" charset="0"/>
                 <a:cs typeface="CMU Bright" panose="02000603000000000000" pitchFamily="2" charset="0"/>
               </a:rPr>
-              <a:t>   Michael Saxon is a PhD candidate and NSF Fellow in the NLP Group at the University of California, Santa Barbara. His research sits on the intersection of generative model benchmarking, multimodality, and AI ethics. He’s particularly interested in making meaningful evaluations of hard-to-measure new capabilities in these artifacts.  Michael earned his BS in Electrical Engineering and MS in Computer Engineering at Arizona State University, advised by </a:t>
-            </a:r>
-            <a:r>
-              <a:rPr lang="en-US" sz="1400" spc="-50" dirty="0" err="1">
+              <a:t>   Serena Booth received her PhD at MIT CSAIL in 2023. Serena studies how people write specifications for AI systems and how people assess whether AI systems are successful in learning from specifications. While at MIT, Serena served as an inaugural Social and Ethical Responsible Computing Scholar, teaching AI Ethics and developing MIT’s AI ethics curriculum that is also released on MIT </a:t>
+            </a:r>
+            <a:r>
+              <a:rPr lang="en-US" sz="1300" spc="-50" dirty="0" err="1">
                 <a:latin typeface="CMU Bright" panose="02000603000000000000" pitchFamily="2" charset="0"/>
                 <a:ea typeface="CMU Bright" panose="02000603000000000000" pitchFamily="2" charset="0"/>
                 <a:cs typeface="CMU Bright" panose="02000603000000000000" pitchFamily="2" charset="0"/>
               </a:rPr>
-              <a:t>Visar</a:t>
-            </a:r>
-            <a:r>
-              <a:rPr lang="en-US" sz="1400" spc="-50" dirty="0">
+              <a:t>OpenCourseWare</a:t>
+            </a:r>
+            <a:r>
+              <a:rPr lang="en-US" sz="1300" spc="-50" dirty="0">
                 <a:latin typeface="CMU Bright" panose="02000603000000000000" pitchFamily="2" charset="0"/>
                 <a:ea typeface="CMU Bright" panose="02000603000000000000" pitchFamily="2" charset="0"/>
                 <a:cs typeface="CMU Bright" panose="02000603000000000000" pitchFamily="2" charset="0"/>
               </a:rPr>
-              <a:t> </a:t>
-            </a:r>
-            <a:r>
-              <a:rPr lang="en-US" sz="1400" spc="-50" dirty="0" err="1">
+              <a:t>. Serena is a graduate of Harvard College (2016), after which she worked as an Associate Product Manager at Google to help scale Google’s </a:t>
+            </a:r>
+            <a:r>
+              <a:rPr lang="en-US" sz="1300" spc="-50" dirty="0" err="1">
                 <a:latin typeface="CMU Bright" panose="02000603000000000000" pitchFamily="2" charset="0"/>
                 <a:ea typeface="CMU Bright" panose="02000603000000000000" pitchFamily="2" charset="0"/>
                 <a:cs typeface="CMU Bright" panose="02000603000000000000" pitchFamily="2" charset="0"/>
               </a:rPr>
-              <a:t>Berish</a:t>
-            </a:r>
-            <a:r>
-              <a:rPr lang="en-US" sz="1400" spc="-50" dirty="0">
+              <a:t>ARCore</a:t>
+            </a:r>
+            <a:r>
+              <a:rPr lang="en-US" sz="1300" spc="-50" dirty="0">
                 <a:latin typeface="CMU Bright" panose="02000603000000000000" pitchFamily="2" charset="0"/>
                 <a:ea typeface="CMU Bright" panose="02000603000000000000" pitchFamily="2" charset="0"/>
                 <a:cs typeface="CMU Bright" panose="02000603000000000000" pitchFamily="2" charset="0"/>
               </a:rPr>
-              <a:t> and Sethuraman Panchanathan in 2018 and 2020 respectively. </a:t>
+              <a:t> augmented reality product to 100 million devices. Serena currently works in the U.S. Senate as a AAAS AI Policy Fellow, where she is working on AI policy questions for the Senate Banking, Housing, and Urban Affairs Committee. Her research has been supported by an MIT Presidential Fellowship and by an NSF GRFP. She is a Rising Star in EECS and an HRI Pioneer.</a:t>
             </a:r>
           </a:p>
         </p:txBody>
@@ -4233,10 +4245,10 @@
         </p:nvGrpSpPr>
         <p:grpSpPr>
           <a:xfrm>
-            <a:off x="0" y="3316629"/>
-            <a:ext cx="7772400" cy="1773551"/>
-            <a:chOff x="0" y="3416600"/>
-            <a:chExt cx="7772400" cy="1773551"/>
+            <a:off x="-2683" y="3121662"/>
+            <a:ext cx="7775083" cy="1279459"/>
+            <a:chOff x="-2683" y="3416600"/>
+            <a:chExt cx="7775083" cy="1399604"/>
           </a:xfrm>
         </p:grpSpPr>
         <p:sp>
@@ -4254,7 +4266,7 @@
           <p:spPr>
             <a:xfrm>
               <a:off x="0" y="3416600"/>
-              <a:ext cx="7772400" cy="1770074"/>
+              <a:ext cx="7772400" cy="1399604"/>
             </a:xfrm>
             <a:prstGeom prst="rect">
               <a:avLst/>
@@ -4308,8 +4320,8 @@
           </p:nvSpPr>
           <p:spPr>
             <a:xfrm>
-              <a:off x="534347" y="3435825"/>
-              <a:ext cx="6924539" cy="1754326"/>
+              <a:off x="-2683" y="3435825"/>
+              <a:ext cx="7772399" cy="1380379"/>
             </a:xfrm>
             <a:prstGeom prst="rect">
               <a:avLst/>
@@ -4324,13 +4336,13 @@
             <a:p>
               <a:pPr algn="ctr"/>
               <a:r>
-                <a:rPr lang="en-US" sz="2800" b="1" dirty="0">
+                <a:rPr lang="en-US" sz="2400" b="1" dirty="0">
                   <a:solidFill>
                     <a:schemeClr val="bg2"/>
                   </a:solidFill>
                   <a:latin typeface="Segoe UI Variable Display" pitchFamily="2" charset="0"/>
                 </a:rPr>
-                <a:t>Rigorous measurement in text-to-image systems (and AI more broadly?)</a:t>
+                <a:t>Building Human-AI Alignment: Specifying, Inspecting, and Modeling AI Behaviors</a:t>
               </a:r>
               <a:br>
                 <a:rPr lang="en-US" sz="2400" b="1" dirty="0">
@@ -4365,44 +4377,7 @@
                   </a:solidFill>
                   <a:latin typeface="Segoe UI Variable Display" pitchFamily="2" charset="0"/>
                 </a:rPr>
-                <a:t>April 29, 2024	4:00 – 5:15 PM</a:t>
-              </a:r>
-            </a:p>
-            <a:p>
-              <a:pPr algn="ctr"/>
-              <a:r>
-                <a:rPr lang="en-US" sz="2000" dirty="0">
-                  <a:solidFill>
-                    <a:schemeClr val="bg2"/>
-                  </a:solidFill>
-                  <a:latin typeface="Segoe UI Variable Display" pitchFamily="2" charset="0"/>
-                </a:rPr>
-                <a:t>ENGR 231 or Webex: </a:t>
-              </a:r>
-              <a:r>
-                <a:rPr lang="en-US" dirty="0">
-                  <a:solidFill>
-                    <a:schemeClr val="accent4"/>
-                  </a:solidFill>
-                  <a:latin typeface="Segoe UI Variable Display" pitchFamily="2" charset="0"/>
-                  <a:hlinkClick r:id="rId4">
-                    <a:extLst>
-                      <a:ext uri="{A12FA001-AC4F-418D-AE19-62706E023703}">
-                        <ahyp:hlinkClr xmlns:ahyp="http://schemas.microsoft.com/office/drawing/2018/hyperlinkcolor" val="tx"/>
-                      </a:ext>
-                    </a:extLst>
-                  </a:hlinkClick>
-                </a:rPr>
-                <a:t>https://umbc.webex.com/meet/gokhale</a:t>
-              </a:r>
-              <a:r>
-                <a:rPr lang="en-US" dirty="0">
-                  <a:solidFill>
-                    <a:schemeClr val="accent4"/>
-                  </a:solidFill>
-                  <a:latin typeface="Segoe UI Variable Display" pitchFamily="2" charset="0"/>
-                </a:rPr>
-                <a:t> </a:t>
+                <a:t>May 01, 2024;  4:00 – 5:15 PM;  ENGR 231.  Webex Link by Request</a:t>
               </a:r>
               <a:endParaRPr lang="en-US" sz="2400" dirty="0">
                 <a:solidFill>
@@ -4629,7 +4604,7 @@
                 </a:solidFill>
                 <a:latin typeface="Segoe UI Variable Display Semil" pitchFamily="2" charset="0"/>
                 <a:cs typeface="Segoe UI Light" panose="020B0502040204020203" pitchFamily="34" charset="0"/>
-                <a:hlinkClick r:id="rId5">
+                <a:hlinkClick r:id="rId4">
                   <a:extLst>
                     <a:ext uri="{A12FA001-AC4F-418D-AE19-62706E023703}">
                       <ahyp:hlinkClr xmlns:ahyp="http://schemas.microsoft.com/office/drawing/2018/hyperlinkcolor" val="tx"/>
@@ -4679,7 +4654,7 @@
                 </a:solidFill>
                 <a:latin typeface="Segoe UI Variable Display Semil" pitchFamily="2" charset="0"/>
                 <a:cs typeface="Segoe UI Light" panose="020B0502040204020203" pitchFamily="34" charset="0"/>
-                <a:hlinkClick r:id="rId6">
+                <a:hlinkClick r:id="rId5">
                   <a:extLst>
                     <a:ext uri="{A12FA001-AC4F-418D-AE19-62706E023703}">
                       <ahyp:hlinkClr xmlns:ahyp="http://schemas.microsoft.com/office/drawing/2018/hyperlinkcolor" val="tx"/>
@@ -4724,7 +4699,7 @@
           <p:nvPr/>
         </p:nvPicPr>
         <p:blipFill>
-          <a:blip r:embed="rId7">
+          <a:blip r:embed="rId6">
             <a:extLst>
               <a:ext uri="{28A0092B-C50C-407E-A947-70E740481C1C}">
                 <a14:useLocalDpi xmlns:a14="http://schemas.microsoft.com/office/drawing/2010/main" val="0"/>
@@ -4739,7 +4714,7 @@
         <p:spPr bwMode="auto">
           <a:xfrm>
             <a:off x="373219" y="1439298"/>
-            <a:ext cx="1832358" cy="1832358"/>
+            <a:ext cx="1601855" cy="1601855"/>
           </a:xfrm>
           <a:prstGeom prst="rect">
             <a:avLst/>
@@ -4771,7 +4746,7 @@
           <p:nvPr/>
         </p:nvPicPr>
         <p:blipFill>
-          <a:blip r:embed="rId8">
+          <a:blip r:embed="rId7">
             <a:extLst>
               <a:ext uri="{28A0092B-C50C-407E-A947-70E740481C1C}">
                 <a14:useLocalDpi xmlns:a14="http://schemas.microsoft.com/office/drawing/2010/main" val="0"/>
@@ -4785,8 +4760,8 @@
         </p:blipFill>
         <p:spPr bwMode="auto">
           <a:xfrm>
-            <a:off x="4772291" y="2241091"/>
-            <a:ext cx="1020585" cy="1020585"/>
+            <a:off x="4592678" y="2073302"/>
+            <a:ext cx="946713" cy="946713"/>
           </a:xfrm>
           <a:prstGeom prst="rect">
             <a:avLst/>
@@ -4818,7 +4793,7 @@
           <p:nvPr/>
         </p:nvPicPr>
         <p:blipFill>
-          <a:blip r:embed="rId9">
+          <a:blip r:embed="rId8">
             <a:extLst>
               <a:ext uri="{28A0092B-C50C-407E-A947-70E740481C1C}">
                 <a14:useLocalDpi xmlns:a14="http://schemas.microsoft.com/office/drawing/2010/main" val="0"/>
@@ -4832,8 +4807,8 @@
         </p:blipFill>
         <p:spPr bwMode="auto">
           <a:xfrm>
-            <a:off x="5282584" y="1492443"/>
-            <a:ext cx="2338791" cy="974496"/>
+            <a:off x="5539391" y="1492444"/>
+            <a:ext cx="1963868" cy="818278"/>
           </a:xfrm>
           <a:prstGeom prst="rect">
             <a:avLst/>
@@ -4865,7 +4840,7 @@
           <p:nvPr/>
         </p:nvPicPr>
         <p:blipFill>
-          <a:blip r:embed="rId10">
+          <a:blip r:embed="rId9">
             <a:extLst>
               <a:ext uri="{28A0092B-C50C-407E-A947-70E740481C1C}">
                 <a14:useLocalDpi xmlns:a14="http://schemas.microsoft.com/office/drawing/2010/main" val="0"/>
@@ -4879,7 +4854,7 @@
         </p:blipFill>
         <p:spPr bwMode="auto">
           <a:xfrm>
-            <a:off x="5833295" y="2314963"/>
+            <a:off x="5572880" y="2079351"/>
             <a:ext cx="1962574" cy="1103948"/>
           </a:xfrm>
           <a:prstGeom prst="rect">
